--- a/Documentation/Kyiv-2018/A2v10.pptx
+++ b/Documentation/Kyiv-2018/A2v10.pptx
@@ -46208,9 +46208,10 @@
               <a:buChar char="•"/>
             </a:pPr>
             <a:r>
-              <a:rPr lang="en-US" dirty="0"/>
-              <a:t>?</a:t>
-            </a:r>
+              <a:rPr lang="en-US" dirty="0" err="1"/>
+              <a:t>iOblik</a:t>
+            </a:r>
+            <a:endParaRPr lang="en-US" dirty="0"/>
           </a:p>
           <a:p>
             <a:pPr marL="285750" indent="-285750">

--- a/Documentation/Kyiv-2018/A2v10.pptx
+++ b/Documentation/Kyiv-2018/A2v10.pptx
@@ -206,7 +206,7 @@
               <a:cs typeface="+mn-cs"/>
             </a:defRPr>
           </a:pPr>
-          <a:endParaRPr lang="en-US"/>
+          <a:endParaRPr lang="ru-UA"/>
         </a:p>
       </c:txPr>
     </c:title>
@@ -279,7 +279,7 @@
               <a:cs typeface="+mn-cs"/>
             </a:defRPr>
           </a:pPr>
-          <a:endParaRPr lang="en-US"/>
+          <a:endParaRPr lang="ru-UA"/>
         </a:p>
       </c:txPr>
     </c:legend>
@@ -305,7 +305,7 @@
           </a:solidFill>
         </a:defRPr>
       </a:pPr>
-      <a:endParaRPr lang="en-US"/>
+      <a:endParaRPr lang="ru-UA"/>
     </a:p>
   </c:txPr>
   <c:externalData r:id="rId3">
@@ -385,7 +385,7 @@
               <a:cs typeface="+mn-cs"/>
             </a:defRPr>
           </a:pPr>
-          <a:endParaRPr lang="en-US"/>
+          <a:endParaRPr lang="ru-UA"/>
         </a:p>
       </c:txPr>
     </c:title>
@@ -458,7 +458,7 @@
               <a:cs typeface="+mn-cs"/>
             </a:defRPr>
           </a:pPr>
-          <a:endParaRPr lang="en-US"/>
+          <a:endParaRPr lang="ru-UA"/>
         </a:p>
       </c:txPr>
     </c:legend>
@@ -484,7 +484,7 @@
           </a:solidFill>
         </a:defRPr>
       </a:pPr>
-      <a:endParaRPr lang="en-US"/>
+      <a:endParaRPr lang="ru-UA"/>
     </a:p>
   </c:txPr>
   <c:externalData r:id="rId3">
@@ -24176,7 +24176,7 @@
           <a:p>
             <a:fld id="{D1CB9CF0-A540-4793-A5F3-F4917CFDDCB6}" type="datetimeFigureOut">
               <a:rPr lang="en-US" smtClean="0"/>
-              <a:t>12/6/2018</a:t>
+              <a:t>5/23/2019</a:t>
             </a:fld>
             <a:endParaRPr lang="en-US" dirty="0"/>
           </a:p>
@@ -24353,7 +24353,7 @@
           <a:p>
             <a:fld id="{EDA03753-A5BE-4D79-AEA9-C0A65A6F8851}" type="datetimeFigureOut">
               <a:rPr lang="en-US" smtClean="0"/>
-              <a:t>12/6/2018</a:t>
+              <a:t>5/23/2019</a:t>
             </a:fld>
             <a:endParaRPr lang="en-US" dirty="0"/>
           </a:p>
@@ -48926,12 +48926,8 @@
               <a:t>я </a:t>
             </a:r>
             <a:r>
-              <a:rPr lang="uk-UA" dirty="0"/>
-              <a:t>х</a:t>
-            </a:r>
-            <a:r>
-              <a:rPr lang="ru-UA" dirty="0" err="1"/>
-              <a:t>остинга</a:t>
+              <a:rPr lang="uk-UA" dirty="0" err="1"/>
+              <a:t>хостинга</a:t>
             </a:r>
             <a:r>
               <a:rPr lang="ru-UA" dirty="0"/>
@@ -49076,11 +49072,7 @@
             </a:r>
             <a:r>
               <a:rPr lang="uk-UA" dirty="0"/>
-              <a:t>б</a:t>
-            </a:r>
-            <a:r>
-              <a:rPr lang="ru-UA" dirty="0" err="1"/>
-              <a:t>айтах</a:t>
+              <a:t>байтах</a:t>
             </a:r>
             <a:r>
               <a:rPr lang="ru-UA" dirty="0"/>
@@ -49305,7 +49297,15 @@
             </a:r>
             <a:r>
               <a:rPr lang="ru-UA" dirty="0" err="1"/>
-              <a:t>тится</a:t>
+              <a:t>тит</a:t>
+            </a:r>
+            <a:r>
+              <a:rPr lang="uk-UA" dirty="0"/>
+              <a:t>ь</a:t>
+            </a:r>
+            <a:r>
+              <a:rPr lang="ru-UA" dirty="0" err="1"/>
+              <a:t>ся</a:t>
             </a:r>
             <a:r>
               <a:rPr lang="ru-UA" dirty="0"/>
@@ -49344,12 +49344,8 @@
               <a:t>и </a:t>
             </a:r>
             <a:r>
-              <a:rPr lang="uk-UA" dirty="0"/>
-              <a:t>с</a:t>
-            </a:r>
-            <a:r>
-              <a:rPr lang="ru-UA" dirty="0" err="1"/>
-              <a:t>тоимости</a:t>
+              <a:rPr lang="uk-UA" dirty="0" err="1"/>
+              <a:t>стоимости</a:t>
             </a:r>
             <a:r>
               <a:rPr lang="ru-UA" dirty="0"/>
